--- a/organiser-education-productivity.pptx
+++ b/organiser-education-productivity.pptx
@@ -5,7 +5,7 @@
     <p:sldMasterId id="2147483648" r:id="rId1"/>
   </p:sldMasterIdLst>
   <p:notesMasterIdLst>
-    <p:notesMasterId r:id="rId25"/>
+    <p:notesMasterId r:id="rId27"/>
   </p:notesMasterIdLst>
   <p:sldIdLst>
     <p:sldId id="256" r:id="rId2"/>
@@ -31,6 +31,8 @@
     <p:sldId id="276" r:id="rId22"/>
     <p:sldId id="277" r:id="rId23"/>
     <p:sldId id="278" r:id="rId24"/>
+    <p:sldId id="279" r:id="rId25"/>
+    <p:sldId id="280" r:id="rId26"/>
   </p:sldIdLst>
   <p:sldSz cx="9144000" cy="5143500" type="screen16x9"/>
   <p:notesSz cx="6858000" cy="9144000"/>
@@ -546,63 +548,67 @@
             </a:pPr>
             <a:r>
               <a:rPr/>
-              <a:t>Productivity is possibly the most misunderstood economic indicator, but simultaneously one of the most spoken about. The newly elected government has set its focus on productivity, and productivity growth, and has got the Productivity Commission in on the action.</a:t>
-            </a:r>
-          </a:p>
-          <a:p>
-            <a:pPr lvl="0" indent="0" marL="0">
-              <a:buNone/>
-            </a:pPr>
-          </a:p>
-          <a:p>
-            <a:pPr lvl="0" indent="0" marL="0">
-              <a:buNone/>
-            </a:pPr>
-            <a:r>
-              <a:rPr/>
-              <a:t>The Productivity Commission by the way, should be seen as a complete joke. It was created by the Howard government in the 1990s, and sits within the Treasury department.</a:t>
-            </a:r>
-          </a:p>
-          <a:p>
-            <a:pPr lvl="0" indent="0" marL="0">
-              <a:buNone/>
-            </a:pPr>
-          </a:p>
-          <a:p>
-            <a:pPr lvl="0" indent="0" marL="0">
-              <a:buNone/>
-            </a:pPr>
-            <a:r>
-              <a:rPr/>
-              <a:t>In a FWC hearing in 2025, the chief economist of the Australian Chamber of Commerce and Industry (also a joke) was asked “what factors drove productivity”. He answered that “the Productivity Commission was currently examining those factors”. 35 years since their establishment, and the Productivity Commission is still examining what productivity even is!!!</a:t>
-            </a:r>
-          </a:p>
-          <a:p>
-            <a:pPr lvl="0" indent="0" marL="0">
-              <a:buNone/>
-            </a:pPr>
-          </a:p>
-          <a:p>
-            <a:pPr lvl="0" indent="0" marL="0">
-              <a:buNone/>
-            </a:pPr>
-            <a:r>
-              <a:rPr/>
-              <a:t>For example, you could lose output in Agriculture from bad weather destroying a crop. Similarly, you could gain output in Mining because high prices make some difficult deposits worth mining.</a:t>
-            </a:r>
-          </a:p>
-          <a:p>
-            <a:pPr lvl="0" indent="0" marL="0">
-              <a:buNone/>
-            </a:pPr>
-          </a:p>
-          <a:p>
-            <a:pPr lvl="0" indent="0" marL="0">
-              <a:buNone/>
-            </a:pPr>
-            <a:r>
-              <a:rPr/>
-              <a:t>Labour productivity is the most commonly reported productivity. It is relatively simple to measure and describe.</a:t>
+              <a:t>This is the first session in the NRC Legal, Political and Economic Education Series which we are developing. These sessions are designed to:</a:t>
+            </a:r>
+          </a:p>
+          <a:p>
+            <a:pPr lvl="0" indent="0" marL="0">
+              <a:buNone/>
+            </a:pPr>
+          </a:p>
+          <a:p>
+            <a:pPr lvl="0"/>
+            <a:r>
+              <a:rPr/>
+              <a:t>help build a culture of mindful militancy</a:t>
+            </a:r>
+          </a:p>
+          <a:p>
+            <a:pPr lvl="0" indent="0" marL="0">
+              <a:buNone/>
+            </a:pPr>
+          </a:p>
+          <a:p>
+            <a:pPr lvl="0"/>
+            <a:r>
+              <a:rPr/>
+              <a:t>have a shared understanding (as a union) on legal, political, and economic issues</a:t>
+            </a:r>
+          </a:p>
+          <a:p>
+            <a:pPr lvl="0" indent="0" marL="0">
+              <a:buNone/>
+            </a:pPr>
+          </a:p>
+          <a:p>
+            <a:pPr lvl="0"/>
+            <a:r>
+              <a:rPr/>
+              <a:t>provide consistency in training across delegates and organisers, to help with coaching and mentoring of delegates following DU4 and more broadly around knowledge and skill building.</a:t>
+            </a:r>
+          </a:p>
+          <a:p>
+            <a:pPr lvl="0" indent="0" marL="0">
+              <a:buNone/>
+            </a:pPr>
+          </a:p>
+          <a:p>
+            <a:pPr lvl="0"/>
+            <a:r>
+              <a:rPr/>
+              <a:t>provide some useful talking points in recruitment and organising conversations.</a:t>
+            </a:r>
+          </a:p>
+          <a:p>
+            <a:pPr lvl="0" indent="0" marL="0">
+              <a:buNone/>
+            </a:pPr>
+          </a:p>
+          <a:p>
+            <a:pPr lvl="0"/>
+            <a:r>
+              <a:rPr/>
+              <a:t>What comes next will be influenced by what you think you need/what you think will be useful</a:t>
             </a:r>
           </a:p>
         </p:txBody>
@@ -624,7 +630,295 @@
           <a:p>
             <a:fld id="{18BDFEC3-8487-43E8-A154-7C12CBC1FFF2}" type="slidenum">
               <a:rPr lang="en-US"/>
-              <a:t>6</a:t>
+              <a:t>2</a:t>
+            </a:fld>
+            <a:endParaRPr lang="en-US"/>
+          </a:p>
+        </p:txBody>
+      </p:sp>
+    </p:spTree>
+  </p:cSld>
+</p:notes>
+</file>
+
+<file path=ppt/notesSlides/notesSlide10.xml><?xml version="1.0" encoding="utf-8"?>
+<p:notes xmlns:a="http://schemas.openxmlformats.org/drawingml/2006/main" xmlns:r="http://schemas.openxmlformats.org/officeDocument/2006/relationships" xmlns:p="http://schemas.openxmlformats.org/presentationml/2006/main">
+  <p:cSld>
+    <p:spTree>
+      <p:nvGrpSpPr>
+        <p:cNvPr id="1" name=""/>
+        <p:cNvGrpSpPr/>
+        <p:nvPr/>
+      </p:nvGrpSpPr>
+      <p:grpSpPr>
+        <a:xfrm>
+          <a:off x="0" y="0"/>
+          <a:ext cx="0" cy="0"/>
+          <a:chOff x="0" y="0"/>
+          <a:chExt cx="0" cy="0"/>
+        </a:xfrm>
+      </p:grpSpPr>
+      <p:sp>
+        <p:nvSpPr>
+          <p:cNvPr id="2" name="Slide Image Placeholder 1"/>
+          <p:cNvSpPr>
+            <a:spLocks noGrp="1" noRot="1" noChangeAspect="1"/>
+          </p:cNvSpPr>
+          <p:nvPr>
+            <p:ph type="sldImg"/>
+          </p:nvPr>
+        </p:nvSpPr>
+        <p:spPr/>
+      </p:sp>
+      <p:sp>
+        <p:nvSpPr>
+          <p:cNvPr id="3" name="Notes Placeholder 2"/>
+          <p:cNvSpPr>
+            <a:spLocks noGrp="1"/>
+          </p:cNvSpPr>
+          <p:nvPr>
+            <p:ph type="body" idx="1"/>
+          </p:nvPr>
+        </p:nvSpPr>
+        <p:spPr/>
+        <p:txBody>
+          <a:bodyPr/>
+          <a:lstStyle/>
+          <a:p>
+            <a:pPr lvl="0" indent="0" marL="0">
+              <a:buNone/>
+            </a:pPr>
+            <a:r>
+              <a:rPr/>
+              <a:t>The things which primarily determine productivity are things in which the worker does not have much control.</a:t>
+            </a:r>
+          </a:p>
+          <a:p>
+            <a:pPr lvl="0" indent="0" marL="0">
+              <a:buNone/>
+            </a:pPr>
+          </a:p>
+          <a:p>
+            <a:pPr lvl="0" indent="0" marL="0">
+              <a:buNone/>
+            </a:pPr>
+            <a:r>
+              <a:rPr/>
+              <a:t>Physical capital, technology and innovation, and management practices are all decisions of the managerial class.</a:t>
+            </a:r>
+          </a:p>
+          <a:p>
+            <a:pPr lvl="0" indent="0" marL="0">
+              <a:buNone/>
+            </a:pPr>
+          </a:p>
+          <a:p>
+            <a:pPr lvl="0" indent="0" marL="0">
+              <a:buNone/>
+            </a:pPr>
+            <a:r>
+              <a:rPr/>
+              <a:t>Health comes down to many factors, including work health and safety, psychosocial hazards, but also being able to get sufficient rest between shifts, and sufficient time off for leisure. Ultimately this comes down to wages. If wages aren’t high enough, workers will look to overtime, taking extra shifts, and minimising leisure time - because they need to to survive.</a:t>
+            </a:r>
+          </a:p>
+          <a:p>
+            <a:pPr lvl="0" indent="0" marL="0">
+              <a:buNone/>
+            </a:pPr>
+          </a:p>
+          <a:p>
+            <a:pPr lvl="0" indent="0" marL="0">
+              <a:buNone/>
+            </a:pPr>
+            <a:r>
+              <a:rPr/>
+              <a:t>For skills there is also the issue of wages. Workforce development should be the role of management, not the role of the worker. Individual workers should not feel they have to take leave or paid training to support the boss generating more profit. Also the labour market in Australia is highly concentrated, and workers are underpaid relative to their skills - further disincentivising training. What’s the point in paying for your own training if it won’t get you a higher pay packet? Again - this is the individual improving productivity just to benefit the boss.</a:t>
+            </a:r>
+          </a:p>
+        </p:txBody>
+      </p:sp>
+      <p:sp>
+        <p:nvSpPr>
+          <p:cNvPr id="4" name="Slide Number Placeholder 3"/>
+          <p:cNvSpPr>
+            <a:spLocks noGrp="1"/>
+          </p:cNvSpPr>
+          <p:nvPr>
+            <p:ph type="sldNum" sz="quarter" idx="10"/>
+          </p:nvPr>
+        </p:nvSpPr>
+        <p:spPr/>
+        <p:txBody>
+          <a:bodyPr/>
+          <a:lstStyle/>
+          <a:p>
+            <a:fld id="{18BDFEC3-8487-43E8-A154-7C12CBC1FFF2}" type="slidenum">
+              <a:rPr lang="en-US"/>
+              <a:t>16</a:t>
+            </a:fld>
+            <a:endParaRPr lang="en-US"/>
+          </a:p>
+        </p:txBody>
+      </p:sp>
+    </p:spTree>
+  </p:cSld>
+</p:notes>
+</file>
+
+<file path=ppt/notesSlides/notesSlide11.xml><?xml version="1.0" encoding="utf-8"?>
+<p:notes xmlns:a="http://schemas.openxmlformats.org/drawingml/2006/main" xmlns:r="http://schemas.openxmlformats.org/officeDocument/2006/relationships" xmlns:p="http://schemas.openxmlformats.org/presentationml/2006/main">
+  <p:cSld>
+    <p:spTree>
+      <p:nvGrpSpPr>
+        <p:cNvPr id="1" name=""/>
+        <p:cNvGrpSpPr/>
+        <p:nvPr/>
+      </p:nvGrpSpPr>
+      <p:grpSpPr>
+        <a:xfrm>
+          <a:off x="0" y="0"/>
+          <a:ext cx="0" cy="0"/>
+          <a:chOff x="0" y="0"/>
+          <a:chExt cx="0" cy="0"/>
+        </a:xfrm>
+      </p:grpSpPr>
+      <p:sp>
+        <p:nvSpPr>
+          <p:cNvPr id="2" name="Slide Image Placeholder 1"/>
+          <p:cNvSpPr>
+            <a:spLocks noGrp="1" noRot="1" noChangeAspect="1"/>
+          </p:cNvSpPr>
+          <p:nvPr>
+            <p:ph type="sldImg"/>
+          </p:nvPr>
+        </p:nvSpPr>
+        <p:spPr/>
+      </p:sp>
+      <p:sp>
+        <p:nvSpPr>
+          <p:cNvPr id="3" name="Notes Placeholder 2"/>
+          <p:cNvSpPr>
+            <a:spLocks noGrp="1"/>
+          </p:cNvSpPr>
+          <p:nvPr>
+            <p:ph type="body" idx="1"/>
+          </p:nvPr>
+        </p:nvSpPr>
+        <p:spPr/>
+        <p:txBody>
+          <a:bodyPr/>
+          <a:lstStyle/>
+          <a:p>
+            <a:pPr lvl="0" indent="0" marL="0">
+              <a:buNone/>
+            </a:pPr>
+            <a:r>
+              <a:rPr/>
+              <a:t>We have a lot of levers at our disposal to improve productivity. Unfortunately (for the boss) most of these require them to either take a hit to their profit, or reinvest some of that profit into their business!</a:t>
+            </a:r>
+          </a:p>
+        </p:txBody>
+      </p:sp>
+      <p:sp>
+        <p:nvSpPr>
+          <p:cNvPr id="4" name="Slide Number Placeholder 3"/>
+          <p:cNvSpPr>
+            <a:spLocks noGrp="1"/>
+          </p:cNvSpPr>
+          <p:nvPr>
+            <p:ph type="sldNum" sz="quarter" idx="10"/>
+          </p:nvPr>
+        </p:nvSpPr>
+        <p:spPr/>
+        <p:txBody>
+          <a:bodyPr/>
+          <a:lstStyle/>
+          <a:p>
+            <a:fld id="{18BDFEC3-8487-43E8-A154-7C12CBC1FFF2}" type="slidenum">
+              <a:rPr lang="en-US"/>
+              <a:t>17</a:t>
+            </a:fld>
+            <a:endParaRPr lang="en-US"/>
+          </a:p>
+        </p:txBody>
+      </p:sp>
+    </p:spTree>
+  </p:cSld>
+</p:notes>
+</file>
+
+<file path=ppt/notesSlides/notesSlide12.xml><?xml version="1.0" encoding="utf-8"?>
+<p:notes xmlns:a="http://schemas.openxmlformats.org/drawingml/2006/main" xmlns:r="http://schemas.openxmlformats.org/officeDocument/2006/relationships" xmlns:p="http://schemas.openxmlformats.org/presentationml/2006/main">
+  <p:cSld>
+    <p:spTree>
+      <p:nvGrpSpPr>
+        <p:cNvPr id="1" name=""/>
+        <p:cNvGrpSpPr/>
+        <p:nvPr/>
+      </p:nvGrpSpPr>
+      <p:grpSpPr>
+        <a:xfrm>
+          <a:off x="0" y="0"/>
+          <a:ext cx="0" cy="0"/>
+          <a:chOff x="0" y="0"/>
+          <a:chExt cx="0" cy="0"/>
+        </a:xfrm>
+      </p:grpSpPr>
+      <p:sp>
+        <p:nvSpPr>
+          <p:cNvPr id="2" name="Slide Image Placeholder 1"/>
+          <p:cNvSpPr>
+            <a:spLocks noGrp="1" noRot="1" noChangeAspect="1"/>
+          </p:cNvSpPr>
+          <p:nvPr>
+            <p:ph type="sldImg"/>
+          </p:nvPr>
+        </p:nvSpPr>
+        <p:spPr/>
+      </p:sp>
+      <p:sp>
+        <p:nvSpPr>
+          <p:cNvPr id="3" name="Notes Placeholder 2"/>
+          <p:cNvSpPr>
+            <a:spLocks noGrp="1"/>
+          </p:cNvSpPr>
+          <p:nvPr>
+            <p:ph type="body" idx="1"/>
+          </p:nvPr>
+        </p:nvSpPr>
+        <p:spPr/>
+        <p:txBody>
+          <a:bodyPr/>
+          <a:lstStyle/>
+          <a:p>
+            <a:pPr lvl="0" indent="0" marL="0">
+              <a:buNone/>
+            </a:pPr>
+            <a:r>
+              <a:rPr/>
+              <a:t>Talking points that you might find useful in starting a conversation in the workplace</a:t>
+            </a:r>
+          </a:p>
+        </p:txBody>
+      </p:sp>
+      <p:sp>
+        <p:nvSpPr>
+          <p:cNvPr id="4" name="Slide Number Placeholder 3"/>
+          <p:cNvSpPr>
+            <a:spLocks noGrp="1"/>
+          </p:cNvSpPr>
+          <p:nvPr>
+            <p:ph type="sldNum" sz="quarter" idx="10"/>
+          </p:nvPr>
+        </p:nvSpPr>
+        <p:spPr/>
+        <p:txBody>
+          <a:bodyPr/>
+          <a:lstStyle/>
+          <a:p>
+            <a:fld id="{18BDFEC3-8487-43E8-A154-7C12CBC1FFF2}" type="slidenum">
+              <a:rPr lang="en-US"/>
+              <a:t>18</a:t>
             </a:fld>
             <a:endParaRPr lang="en-US"/>
           </a:p>
@@ -684,7 +978,7 @@
             </a:pPr>
             <a:r>
               <a:rPr/>
-              <a:t>The non-market sector includes the Education and Health Care sectors. How is output measured in these sectors? Students graduating? Patients discharged? What would productivity look like? Students graduating per teacher? A measure like that would mean that productivity in the Education sector could be improved by fewer teachers and bigger classes. Anyone who works in Education would say that is not realistic.</a:t>
+              <a:t>The most important thing with productivity - who benefits?</a:t>
             </a:r>
           </a:p>
         </p:txBody>
@@ -706,7 +1000,7 @@
           <a:p>
             <a:fld id="{18BDFEC3-8487-43E8-A154-7C12CBC1FFF2}" type="slidenum">
               <a:rPr lang="en-US"/>
-              <a:t>7</a:t>
+              <a:t>3</a:t>
             </a:fld>
             <a:endParaRPr lang="en-US"/>
           </a:p>
@@ -766,67 +1060,77 @@
             </a:pPr>
             <a:r>
               <a:rPr/>
-              <a:t>GDP per hour worked, with June 1991 set as the base or reference year.</a:t>
-            </a:r>
-          </a:p>
-          <a:p>
-            <a:pPr lvl="0" indent="0" marL="0">
-              <a:buNone/>
-            </a:pPr>
-          </a:p>
-          <a:p>
-            <a:pPr lvl="0"/>
-            <a:r>
-              <a:rPr/>
-              <a:t>Growth was slowing prior to 2020 anyway, with the increases seen during then probably due to the pandemic.</a:t>
-            </a:r>
-          </a:p>
-          <a:p>
-            <a:pPr lvl="0" indent="0" marL="0">
-              <a:buNone/>
-            </a:pPr>
-          </a:p>
-          <a:p>
-            <a:pPr lvl="0"/>
-            <a:r>
-              <a:rPr/>
-              <a:t>This has been called a productivity ‘bubble’ which I think I agree with.</a:t>
-            </a:r>
-          </a:p>
-          <a:p>
-            <a:pPr lvl="0" indent="0" marL="0">
-              <a:buNone/>
-            </a:pPr>
-          </a:p>
-          <a:p>
-            <a:pPr lvl="0"/>
-            <a:r>
-              <a:rPr/>
-              <a:t>Periods of slow growth have been occurring since the 2000s really.</a:t>
-            </a:r>
-          </a:p>
-          <a:p>
-            <a:pPr lvl="0" indent="0" marL="0">
-              <a:buNone/>
-            </a:pPr>
-          </a:p>
-          <a:p>
-            <a:pPr lvl="0"/>
-            <a:r>
-              <a:rPr/>
-              <a:t>The market sector includes industries like manufacturing, mining, construction, and some services. Things that are produced and sold in the market.</a:t>
-            </a:r>
-          </a:p>
-          <a:p>
-            <a:pPr lvl="0" indent="0" marL="0">
-              <a:buNone/>
-            </a:pPr>
-          </a:p>
-          <a:p>
-            <a:pPr lvl="0"/>
-            <a:r>
-              <a:rPr/>
-              <a:t>The non-market sector</a:t>
+              <a:t>We need to understand productivity - how it’s measured, and how bosses talk about it - because it is simultaneously misunderstood and over-emphasised in the media.</a:t>
+            </a:r>
+          </a:p>
+          <a:p>
+            <a:pPr lvl="0" indent="0" marL="0">
+              <a:buNone/>
+            </a:pPr>
+          </a:p>
+          <a:p>
+            <a:pPr lvl="0" indent="0" marL="0">
+              <a:buNone/>
+            </a:pPr>
+            <a:r>
+              <a:rPr/>
+              <a:t>The newly elected government has set its focus on productivity, and productivity growth, and has got the Productivity Commission in on the action.</a:t>
+            </a:r>
+          </a:p>
+          <a:p>
+            <a:pPr lvl="0" indent="0" marL="0">
+              <a:buNone/>
+            </a:pPr>
+          </a:p>
+          <a:p>
+            <a:pPr lvl="0" indent="0" marL="0">
+              <a:buNone/>
+            </a:pPr>
+            <a:r>
+              <a:rPr/>
+              <a:t>The Productivity Commission by the way, should be seen as a complete joke. It was created by the Howard government in the 1990s, and sits within the Treasury department.</a:t>
+            </a:r>
+          </a:p>
+          <a:p>
+            <a:pPr lvl="0" indent="0" marL="0">
+              <a:buNone/>
+            </a:pPr>
+          </a:p>
+          <a:p>
+            <a:pPr lvl="0" indent="0" marL="0">
+              <a:buNone/>
+            </a:pPr>
+            <a:r>
+              <a:rPr/>
+              <a:t>In a FWC hearing in 2025, the chief economist of the Australian Chamber of Commerce and Industry (also a joke) was asked “what factors drove productivity”. He answered that “the Productivity Commission was currently examining those factors”. 35 years since their establishment, and the Productivity Commission is still examining what productivity even is!!!</a:t>
+            </a:r>
+          </a:p>
+          <a:p>
+            <a:pPr lvl="0" indent="0" marL="0">
+              <a:buNone/>
+            </a:pPr>
+          </a:p>
+          <a:p>
+            <a:pPr lvl="0" indent="0" marL="0">
+              <a:buNone/>
+            </a:pPr>
+            <a:r>
+              <a:rPr/>
+              <a:t>For example, you could lose output in Agriculture from bad weather destroying a crop. Similarly, you could gain output in Mining because high prices make some difficult deposits worth mining.</a:t>
+            </a:r>
+          </a:p>
+          <a:p>
+            <a:pPr lvl="0" indent="0" marL="0">
+              <a:buNone/>
+            </a:pPr>
+          </a:p>
+          <a:p>
+            <a:pPr lvl="0" indent="0" marL="0">
+              <a:buNone/>
+            </a:pPr>
+            <a:r>
+              <a:rPr/>
+              <a:t>Labour productivity is the most commonly reported productivity. It is relatively simple to measure and describe.</a:t>
             </a:r>
           </a:p>
         </p:txBody>
@@ -848,7 +1152,7 @@
           <a:p>
             <a:fld id="{18BDFEC3-8487-43E8-A154-7C12CBC1FFF2}" type="slidenum">
               <a:rPr lang="en-US"/>
-              <a:t>8</a:t>
+              <a:t>6</a:t>
             </a:fld>
             <a:endParaRPr lang="en-US"/>
           </a:p>
@@ -908,57 +1212,7 @@
             </a:pPr>
             <a:r>
               <a:rPr/>
-              <a:t>Productivity is a volatile measure. It is better to measure it across a long time period.</a:t>
-            </a:r>
-          </a:p>
-          <a:p>
-            <a:pPr lvl="0" indent="0" marL="0">
-              <a:buNone/>
-            </a:pPr>
-          </a:p>
-          <a:p>
-            <a:pPr lvl="0" indent="0" marL="0">
-              <a:buNone/>
-            </a:pPr>
-            <a:r>
-              <a:rPr/>
-              <a:t>The ABS uses a 20 year average “compound average growth rate” formula.</a:t>
-            </a:r>
-          </a:p>
-          <a:p>
-            <a:pPr lvl="0" indent="0" marL="0">
-              <a:buNone/>
-            </a:pPr>
-          </a:p>
-          <a:p>
-            <a:pPr lvl="0"/>
-            <a:r>
-              <a:rPr/>
-              <a:t>Clearly not a new problem</a:t>
-            </a:r>
-          </a:p>
-          <a:p>
-            <a:pPr lvl="0" indent="0" marL="0">
-              <a:buNone/>
-            </a:pPr>
-          </a:p>
-          <a:p>
-            <a:pPr lvl="0"/>
-            <a:r>
-              <a:rPr/>
-              <a:t>20-year average productivity growth was pretty stable up until about 2013</a:t>
-            </a:r>
-          </a:p>
-          <a:p>
-            <a:pPr lvl="0" indent="0" marL="0">
-              <a:buNone/>
-            </a:pPr>
-          </a:p>
-          <a:p>
-            <a:pPr lvl="0"/>
-            <a:r>
-              <a:rPr/>
-              <a:t>Significant declines since then. Covid rebound probably an illusion</a:t>
+              <a:t>The non-market sector includes the Education and Health Care sectors. How is output measured in these sectors? Students graduating? Patients discharged? What would productivity look like? Students graduating per teacher? A measure like that would mean that productivity in the Education sector could be improved by fewer teachers and bigger classes. Anyone who works in Education would say that is not realistic.</a:t>
             </a:r>
           </a:p>
         </p:txBody>
@@ -980,7 +1234,7 @@
           <a:p>
             <a:fld id="{18BDFEC3-8487-43E8-A154-7C12CBC1FFF2}" type="slidenum">
               <a:rPr lang="en-US"/>
-              <a:t>9</a:t>
+              <a:t>7</a:t>
             </a:fld>
             <a:endParaRPr lang="en-US"/>
           </a:p>
@@ -1040,63 +1294,67 @@
             </a:pPr>
             <a:r>
               <a:rPr/>
-              <a:t>Productivity is measured as GDP per hour worked. So we need to look at what is happening with hours worked, and with GDP.</a:t>
-            </a:r>
-          </a:p>
-          <a:p>
-            <a:pPr lvl="0" indent="0" marL="0">
-              <a:buNone/>
-            </a:pPr>
-          </a:p>
-          <a:p>
-            <a:pPr lvl="0" indent="0" marL="0">
-              <a:buNone/>
-            </a:pPr>
-            <a:r>
-              <a:rPr/>
-              <a:t>I don’t know about you but the increase in hours worked looks like it’s pretty steep.</a:t>
-            </a:r>
-          </a:p>
-          <a:p>
-            <a:pPr lvl="0" indent="0" marL="0">
-              <a:buNone/>
-            </a:pPr>
-          </a:p>
-          <a:p>
-            <a:pPr lvl="0" indent="0" marL="0">
-              <a:buNone/>
-            </a:pPr>
-            <a:r>
-              <a:rPr/>
-              <a:t>What do we think could have caused that? Are you working more hours? Do you know people who are working more hours? Why?</a:t>
-            </a:r>
-          </a:p>
-          <a:p>
-            <a:pPr lvl="0" indent="0" marL="0">
-              <a:buNone/>
-            </a:pPr>
-          </a:p>
-          <a:p>
-            <a:pPr lvl="0" indent="0" marL="0">
-              <a:buNone/>
-            </a:pPr>
-            <a:r>
-              <a:rPr/>
-              <a:t>Could it be people working more hours because they’re struggling to make ends meet because of inflation?</a:t>
-            </a:r>
-          </a:p>
-          <a:p>
-            <a:pPr lvl="0" indent="0" marL="0">
-              <a:buNone/>
-            </a:pPr>
-          </a:p>
-          <a:p>
-            <a:pPr lvl="0" indent="0" marL="0">
-              <a:buNone/>
-            </a:pPr>
-            <a:r>
-              <a:rPr/>
-              <a:t>Even the Productivity Commission recognise that high hours worked is pulling productivity down</a:t>
+              <a:t>GDP per hour worked, with June 1991 set as the base or reference year.</a:t>
+            </a:r>
+          </a:p>
+          <a:p>
+            <a:pPr lvl="0" indent="0" marL="0">
+              <a:buNone/>
+            </a:pPr>
+          </a:p>
+          <a:p>
+            <a:pPr lvl="0"/>
+            <a:r>
+              <a:rPr/>
+              <a:t>Growth was slowing prior to 2020 anyway, with the increases seen during then probably due to the pandemic.</a:t>
+            </a:r>
+          </a:p>
+          <a:p>
+            <a:pPr lvl="0" indent="0" marL="0">
+              <a:buNone/>
+            </a:pPr>
+          </a:p>
+          <a:p>
+            <a:pPr lvl="0"/>
+            <a:r>
+              <a:rPr/>
+              <a:t>This has been called a productivity ‘bubble’ which I think I agree with.</a:t>
+            </a:r>
+          </a:p>
+          <a:p>
+            <a:pPr lvl="0" indent="0" marL="0">
+              <a:buNone/>
+            </a:pPr>
+          </a:p>
+          <a:p>
+            <a:pPr lvl="0"/>
+            <a:r>
+              <a:rPr/>
+              <a:t>Periods of slow growth have been occurring since the 2000s really.</a:t>
+            </a:r>
+          </a:p>
+          <a:p>
+            <a:pPr lvl="0" indent="0" marL="0">
+              <a:buNone/>
+            </a:pPr>
+          </a:p>
+          <a:p>
+            <a:pPr lvl="0"/>
+            <a:r>
+              <a:rPr/>
+              <a:t>The market sector includes industries like manufacturing, mining, construction, and some services. Things that are produced and sold in the market.</a:t>
+            </a:r>
+          </a:p>
+          <a:p>
+            <a:pPr lvl="0" indent="0" marL="0">
+              <a:buNone/>
+            </a:pPr>
+          </a:p>
+          <a:p>
+            <a:pPr lvl="0"/>
+            <a:r>
+              <a:rPr/>
+              <a:t>The non-market sector</a:t>
             </a:r>
           </a:p>
         </p:txBody>
@@ -1118,7 +1376,7 @@
           <a:p>
             <a:fld id="{18BDFEC3-8487-43E8-A154-7C12CBC1FFF2}" type="slidenum">
               <a:rPr lang="en-US"/>
-              <a:t>10</a:t>
+              <a:t>8</a:t>
             </a:fld>
             <a:endParaRPr lang="en-US"/>
           </a:p>
@@ -1178,7 +1436,57 @@
             </a:pPr>
             <a:r>
               <a:rPr/>
-              <a:t>Damn.</a:t>
+              <a:t>Productivity is a volatile measure. It is better to measure it across a long time period.</a:t>
+            </a:r>
+          </a:p>
+          <a:p>
+            <a:pPr lvl="0" indent="0" marL="0">
+              <a:buNone/>
+            </a:pPr>
+          </a:p>
+          <a:p>
+            <a:pPr lvl="0" indent="0" marL="0">
+              <a:buNone/>
+            </a:pPr>
+            <a:r>
+              <a:rPr/>
+              <a:t>The ABS uses a 20 year average “compound average growth rate” formula.</a:t>
+            </a:r>
+          </a:p>
+          <a:p>
+            <a:pPr lvl="0" indent="0" marL="0">
+              <a:buNone/>
+            </a:pPr>
+          </a:p>
+          <a:p>
+            <a:pPr lvl="0"/>
+            <a:r>
+              <a:rPr/>
+              <a:t>Clearly not a new problem</a:t>
+            </a:r>
+          </a:p>
+          <a:p>
+            <a:pPr lvl="0" indent="0" marL="0">
+              <a:buNone/>
+            </a:pPr>
+          </a:p>
+          <a:p>
+            <a:pPr lvl="0"/>
+            <a:r>
+              <a:rPr/>
+              <a:t>20-year average productivity growth was pretty stable up until about 2013</a:t>
+            </a:r>
+          </a:p>
+          <a:p>
+            <a:pPr lvl="0" indent="0" marL="0">
+              <a:buNone/>
+            </a:pPr>
+          </a:p>
+          <a:p>
+            <a:pPr lvl="0"/>
+            <a:r>
+              <a:rPr/>
+              <a:t>Significant declines since then. Covid rebound probably an illusion</a:t>
             </a:r>
           </a:p>
         </p:txBody>
@@ -1200,7 +1508,7 @@
           <a:p>
             <a:fld id="{18BDFEC3-8487-43E8-A154-7C12CBC1FFF2}" type="slidenum">
               <a:rPr lang="en-US"/>
-              <a:t>13</a:t>
+              <a:t>9</a:t>
             </a:fld>
             <a:endParaRPr lang="en-US"/>
           </a:p>
@@ -1212,6 +1520,226 @@
 </file>
 
 <file path=ppt/notesSlides/notesSlide7.xml><?xml version="1.0" encoding="utf-8"?>
+<p:notes xmlns:a="http://schemas.openxmlformats.org/drawingml/2006/main" xmlns:r="http://schemas.openxmlformats.org/officeDocument/2006/relationships" xmlns:p="http://schemas.openxmlformats.org/presentationml/2006/main">
+  <p:cSld>
+    <p:spTree>
+      <p:nvGrpSpPr>
+        <p:cNvPr id="1" name=""/>
+        <p:cNvGrpSpPr/>
+        <p:nvPr/>
+      </p:nvGrpSpPr>
+      <p:grpSpPr>
+        <a:xfrm>
+          <a:off x="0" y="0"/>
+          <a:ext cx="0" cy="0"/>
+          <a:chOff x="0" y="0"/>
+          <a:chExt cx="0" cy="0"/>
+        </a:xfrm>
+      </p:grpSpPr>
+      <p:sp>
+        <p:nvSpPr>
+          <p:cNvPr id="2" name="Slide Image Placeholder 1"/>
+          <p:cNvSpPr>
+            <a:spLocks noGrp="1" noRot="1" noChangeAspect="1"/>
+          </p:cNvSpPr>
+          <p:nvPr>
+            <p:ph type="sldImg"/>
+          </p:nvPr>
+        </p:nvSpPr>
+        <p:spPr/>
+      </p:sp>
+      <p:sp>
+        <p:nvSpPr>
+          <p:cNvPr id="3" name="Notes Placeholder 2"/>
+          <p:cNvSpPr>
+            <a:spLocks noGrp="1"/>
+          </p:cNvSpPr>
+          <p:nvPr>
+            <p:ph type="body" idx="1"/>
+          </p:nvPr>
+        </p:nvSpPr>
+        <p:spPr/>
+        <p:txBody>
+          <a:bodyPr/>
+          <a:lstStyle/>
+          <a:p>
+            <a:pPr lvl="0" indent="0" marL="0">
+              <a:buNone/>
+            </a:pPr>
+            <a:r>
+              <a:rPr/>
+              <a:t>Productivity is measured as GDP per hour worked. So we need to look at what is happening with hours worked, and with GDP.</a:t>
+            </a:r>
+          </a:p>
+          <a:p>
+            <a:pPr lvl="0" indent="0" marL="0">
+              <a:buNone/>
+            </a:pPr>
+          </a:p>
+          <a:p>
+            <a:pPr lvl="0" indent="0" marL="0">
+              <a:buNone/>
+            </a:pPr>
+            <a:r>
+              <a:rPr/>
+              <a:t>I don’t know about you but the increase in hours worked looks like it’s pretty steep.</a:t>
+            </a:r>
+          </a:p>
+          <a:p>
+            <a:pPr lvl="0" indent="0" marL="0">
+              <a:buNone/>
+            </a:pPr>
+          </a:p>
+          <a:p>
+            <a:pPr lvl="0" indent="0" marL="0">
+              <a:buNone/>
+            </a:pPr>
+            <a:r>
+              <a:rPr/>
+              <a:t>What do we think could have caused that? Are you working more hours? Do you know people who are working more hours? Why?</a:t>
+            </a:r>
+          </a:p>
+          <a:p>
+            <a:pPr lvl="0" indent="0" marL="0">
+              <a:buNone/>
+            </a:pPr>
+          </a:p>
+          <a:p>
+            <a:pPr lvl="0" indent="0" marL="0">
+              <a:buNone/>
+            </a:pPr>
+            <a:r>
+              <a:rPr/>
+              <a:t>Could it be people working more hours because they’re struggling to make ends meet because of inflation?</a:t>
+            </a:r>
+          </a:p>
+          <a:p>
+            <a:pPr lvl="0" indent="0" marL="0">
+              <a:buNone/>
+            </a:pPr>
+          </a:p>
+          <a:p>
+            <a:pPr lvl="0" indent="0" marL="0">
+              <a:buNone/>
+            </a:pPr>
+            <a:r>
+              <a:rPr/>
+              <a:t>Even the Productivity Commission recognise that high hours worked is pulling productivity down</a:t>
+            </a:r>
+          </a:p>
+        </p:txBody>
+      </p:sp>
+      <p:sp>
+        <p:nvSpPr>
+          <p:cNvPr id="4" name="Slide Number Placeholder 3"/>
+          <p:cNvSpPr>
+            <a:spLocks noGrp="1"/>
+          </p:cNvSpPr>
+          <p:nvPr>
+            <p:ph type="sldNum" sz="quarter" idx="10"/>
+          </p:nvPr>
+        </p:nvSpPr>
+        <p:spPr/>
+        <p:txBody>
+          <a:bodyPr/>
+          <a:lstStyle/>
+          <a:p>
+            <a:fld id="{18BDFEC3-8487-43E8-A154-7C12CBC1FFF2}" type="slidenum">
+              <a:rPr lang="en-US"/>
+              <a:t>10</a:t>
+            </a:fld>
+            <a:endParaRPr lang="en-US"/>
+          </a:p>
+        </p:txBody>
+      </p:sp>
+    </p:spTree>
+  </p:cSld>
+</p:notes>
+</file>
+
+<file path=ppt/notesSlides/notesSlide8.xml><?xml version="1.0" encoding="utf-8"?>
+<p:notes xmlns:a="http://schemas.openxmlformats.org/drawingml/2006/main" xmlns:r="http://schemas.openxmlformats.org/officeDocument/2006/relationships" xmlns:p="http://schemas.openxmlformats.org/presentationml/2006/main">
+  <p:cSld>
+    <p:spTree>
+      <p:nvGrpSpPr>
+        <p:cNvPr id="1" name=""/>
+        <p:cNvGrpSpPr/>
+        <p:nvPr/>
+      </p:nvGrpSpPr>
+      <p:grpSpPr>
+        <a:xfrm>
+          <a:off x="0" y="0"/>
+          <a:ext cx="0" cy="0"/>
+          <a:chOff x="0" y="0"/>
+          <a:chExt cx="0" cy="0"/>
+        </a:xfrm>
+      </p:grpSpPr>
+      <p:sp>
+        <p:nvSpPr>
+          <p:cNvPr id="2" name="Slide Image Placeholder 1"/>
+          <p:cNvSpPr>
+            <a:spLocks noGrp="1" noRot="1" noChangeAspect="1"/>
+          </p:cNvSpPr>
+          <p:nvPr>
+            <p:ph type="sldImg"/>
+          </p:nvPr>
+        </p:nvSpPr>
+        <p:spPr/>
+      </p:sp>
+      <p:sp>
+        <p:nvSpPr>
+          <p:cNvPr id="3" name="Notes Placeholder 2"/>
+          <p:cNvSpPr>
+            <a:spLocks noGrp="1"/>
+          </p:cNvSpPr>
+          <p:nvPr>
+            <p:ph type="body" idx="1"/>
+          </p:nvPr>
+        </p:nvSpPr>
+        <p:spPr/>
+        <p:txBody>
+          <a:bodyPr/>
+          <a:lstStyle/>
+          <a:p>
+            <a:pPr lvl="0" indent="0" marL="0">
+              <a:buNone/>
+            </a:pPr>
+            <a:r>
+              <a:rPr/>
+              <a:t>Damn.</a:t>
+            </a:r>
+          </a:p>
+        </p:txBody>
+      </p:sp>
+      <p:sp>
+        <p:nvSpPr>
+          <p:cNvPr id="4" name="Slide Number Placeholder 3"/>
+          <p:cNvSpPr>
+            <a:spLocks noGrp="1"/>
+          </p:cNvSpPr>
+          <p:nvPr>
+            <p:ph type="sldNum" sz="quarter" idx="10"/>
+          </p:nvPr>
+        </p:nvSpPr>
+        <p:spPr/>
+        <p:txBody>
+          <a:bodyPr/>
+          <a:lstStyle/>
+          <a:p>
+            <a:fld id="{18BDFEC3-8487-43E8-A154-7C12CBC1FFF2}" type="slidenum">
+              <a:rPr lang="en-US"/>
+              <a:t>13</a:t>
+            </a:fld>
+            <a:endParaRPr lang="en-US"/>
+          </a:p>
+        </p:txBody>
+      </p:sp>
+    </p:spTree>
+  </p:cSld>
+</p:notes>
+</file>
+
+<file path=ppt/notesSlides/notesSlide9.xml><?xml version="1.0" encoding="utf-8"?>
 <p:notes xmlns:a="http://schemas.openxmlformats.org/drawingml/2006/main" xmlns:r="http://schemas.openxmlformats.org/officeDocument/2006/relationships" xmlns:p="http://schemas.openxmlformats.org/presentationml/2006/main">
   <p:cSld>
     <p:spTree>
@@ -4341,7 +4869,7 @@
             </a:pPr>
             <a:r>
               <a:rPr/>
-              <a:t>Talking about Productivity with Members</a:t>
+              <a:t>Organiser Essentials</a:t>
             </a:r>
           </a:p>
         </p:txBody>
@@ -4371,13 +4899,13 @@
             </a:pPr>
             <a:r>
               <a:rPr/>
-              <a:t>Organiser Essentials: The NRC LEgal, Political and Economic Education Series</a:t>
+              <a:t>Productivity</a:t>
             </a:r>
             <a:br/>
             <a:br/>
             <a:r>
               <a:rPr/>
-              <a:t>Josh Newton</a:t>
+              <a:t>Hamish Gamble</a:t>
             </a:r>
           </a:p>
         </p:txBody>
@@ -5091,35 +5619,35 @@
             </a:pPr>
             <a:r>
               <a:rPr/>
-              <a:t>Productivity is primarily determined by five things:</a:t>
+              <a:t>Productivity is primarily determined by:</a:t>
             </a:r>
           </a:p>
           <a:p>
             <a:pPr lvl="0"/>
             <a:r>
               <a:rPr/>
+              <a:t>Physical capital like tools, and machines</a:t>
+            </a:r>
+          </a:p>
+          <a:p>
+            <a:pPr lvl="0"/>
+            <a:r>
+              <a:rPr/>
+              <a:t>Technology and innovation</a:t>
+            </a:r>
+          </a:p>
+          <a:p>
+            <a:pPr lvl="0"/>
+            <a:r>
+              <a:rPr/>
+              <a:t>Management of resources</a:t>
+            </a:r>
+          </a:p>
+          <a:p>
+            <a:pPr lvl="0"/>
+            <a:r>
+              <a:rPr/>
               <a:t>The health and skills of workers</a:t>
-            </a:r>
-          </a:p>
-          <a:p>
-            <a:pPr lvl="0"/>
-            <a:r>
-              <a:rPr/>
-              <a:t>Physical capital like tools, and machines</a:t>
-            </a:r>
-          </a:p>
-          <a:p>
-            <a:pPr lvl="0"/>
-            <a:r>
-              <a:rPr/>
-              <a:t>Technology and innovation</a:t>
-            </a:r>
-          </a:p>
-          <a:p>
-            <a:pPr lvl="0"/>
-            <a:r>
-              <a:rPr/>
-              <a:t>Management of resources</a:t>
             </a:r>
           </a:p>
         </p:txBody>
@@ -5191,14 +5719,14 @@
             </a:pPr>
             <a:r>
               <a:rPr/>
-              <a:t>Policy levers available to grow/improve productivity</a:t>
+              <a:t>What policy levers can be used to increase productivity?</a:t>
             </a:r>
           </a:p>
           <a:p>
             <a:pPr lvl="0"/>
             <a:r>
               <a:rPr/>
-              <a:t>Health</a:t>
+              <a:t>Worker health</a:t>
             </a:r>
           </a:p>
           <a:p>
@@ -5263,7 +5791,12 @@
             <p:ph type="title"/>
           </p:nvPr>
         </p:nvSpPr>
-        <p:spPr/>
+        <p:spPr>
+          <a:xfrm>
+            <a:off x="722313" y="3305176"/>
+            <a:ext cx="7772400" cy="1021556"/>
+          </a:xfrm>
+        </p:spPr>
         <p:txBody>
           <a:bodyPr/>
           <a:lstStyle/>
@@ -5274,38 +5807,6 @@
             <a:r>
               <a:rPr/>
               <a:t>Productivity in the Workplace</a:t>
-            </a:r>
-          </a:p>
-        </p:txBody>
-      </p:sp>
-      <p:sp>
-        <p:nvSpPr>
-          <p:cNvPr id="3" name="Content Placeholder 2"/>
-          <p:cNvSpPr>
-            <a:spLocks noGrp="1"/>
-          </p:cNvSpPr>
-          <p:nvPr>
-            <p:ph idx="1"/>
-          </p:nvPr>
-        </p:nvSpPr>
-        <p:spPr/>
-        <p:txBody>
-          <a:bodyPr/>
-          <a:lstStyle/>
-          <a:p>
-            <a:pPr lvl="0" indent="0" marL="1270000">
-              <a:buNone/>
-            </a:pPr>
-            <a:r>
-              <a:rPr sz="2000"/>
-              <a:t>A wage increase isn’t affordable this year because productivity is stagnant</a:t>
-            </a:r>
-          </a:p>
-          <a:p>
-            <a:pPr lvl="0"/>
-            <a:r>
-              <a:rPr/>
-              <a:t>This is often a lie but even if it is true - who is responsible for stagnant productivity? Worker or Boss?</a:t>
             </a:r>
           </a:p>
         </p:txBody>
@@ -5352,7 +5853,7 @@
             </a:pPr>
             <a:r>
               <a:rPr/>
-              <a:t>Productivity in the Workplace - Health</a:t>
+              <a:t>Productivity in the Workplace</a:t>
             </a:r>
           </a:p>
         </p:txBody>
@@ -5372,24 +5873,19 @@
           <a:bodyPr/>
           <a:lstStyle/>
           <a:p>
+            <a:pPr lvl="0" indent="0" marL="1270000">
+              <a:buNone/>
+            </a:pPr>
+            <a:r>
+              <a:rPr sz="2000"/>
+              <a:t>A wage increase isn’t affordable this year because productivity is stagnant</a:t>
+            </a:r>
+          </a:p>
+          <a:p>
             <a:pPr lvl="0"/>
             <a:r>
               <a:rPr/>
-              <a:t>Are workers earning enough to live without constant stress?</a:t>
-            </a:r>
-          </a:p>
-          <a:p>
-            <a:pPr lvl="0"/>
-            <a:r>
-              <a:rPr/>
-              <a:t>Are workplace health and safety risks properly addressed?</a:t>
-            </a:r>
-          </a:p>
-          <a:p>
-            <a:pPr lvl="0"/>
-            <a:r>
-              <a:rPr/>
-              <a:t>Do workers have sufficient time to rest and recover?</a:t>
+              <a:t>This is often a lie but even if it is true - who is responsible for stagnant productivity? Worker or Boss?</a:t>
             </a:r>
           </a:p>
         </p:txBody>
@@ -5436,7 +5932,7 @@
             </a:pPr>
             <a:r>
               <a:rPr/>
-              <a:t>Organiser Essentials: The NRC Legal, Political and Economic Education Series</a:t>
+              <a:t>Organiser Essentials</a:t>
             </a:r>
           </a:p>
         </p:txBody>
@@ -5459,14 +5955,14 @@
             <a:pPr lvl="0"/>
             <a:r>
               <a:rPr/>
+              <a:t>These sessions are designed to help build a culture of mindful militancy.</a:t>
+            </a:r>
+          </a:p>
+          <a:p>
+            <a:pPr lvl="0"/>
+            <a:r>
+              <a:rPr/>
               <a:t>Tell us what you need.</a:t>
-            </a:r>
-          </a:p>
-          <a:p>
-            <a:pPr lvl="0"/>
-            <a:r>
-              <a:rPr/>
-              <a:t>These sessions are designed to help build a culture of mindful militancy.</a:t>
             </a:r>
           </a:p>
         </p:txBody>
@@ -5513,7 +6009,7 @@
             </a:pPr>
             <a:r>
               <a:rPr/>
-              <a:t>Productivity in the Workplace - Skills</a:t>
+              <a:t>Productivity in the Workplace - Health</a:t>
             </a:r>
           </a:p>
         </p:txBody>
@@ -5536,21 +6032,21 @@
             <a:pPr lvl="0"/>
             <a:r>
               <a:rPr/>
-              <a:t>Are workers given opportunities to develop their skills and advance their careers?</a:t>
+              <a:t>Are workers earning enough to live without constant stress?</a:t>
             </a:r>
           </a:p>
           <a:p>
             <a:pPr lvl="0"/>
             <a:r>
               <a:rPr/>
-              <a:t>Does the company cover training costs? Or offer time off?</a:t>
+              <a:t>Are workplace health and safety risks properly addressed?</a:t>
             </a:r>
           </a:p>
           <a:p>
             <a:pPr lvl="0"/>
             <a:r>
               <a:rPr/>
-              <a:t>Are there incentives to train?</a:t>
+              <a:t>Do workers have sufficient time to rest and recover?</a:t>
             </a:r>
           </a:p>
         </p:txBody>
@@ -5597,7 +6093,7 @@
             </a:pPr>
             <a:r>
               <a:rPr/>
-              <a:t>Productivity in the Workplace - Investment</a:t>
+              <a:t>Productivity in the Workplace - Skills</a:t>
             </a:r>
           </a:p>
         </p:txBody>
@@ -5620,35 +6116,21 @@
             <a:pPr lvl="0"/>
             <a:r>
               <a:rPr/>
-              <a:t>Is the company investing in physical capital and research?</a:t>
+              <a:t>Are workers given opportunities to develop their skills and advance their careers?</a:t>
             </a:r>
           </a:p>
           <a:p>
             <a:pPr lvl="0"/>
             <a:r>
               <a:rPr/>
-              <a:t>Are workers provided with the tools and materials they need to be productive?</a:t>
+              <a:t>Does the company cover training costs? Or offer time off?</a:t>
             </a:r>
           </a:p>
           <a:p>
             <a:pPr lvl="0"/>
             <a:r>
               <a:rPr/>
-              <a:t>Is time wasted on non-value adding tasks?</a:t>
-            </a:r>
-          </a:p>
-          <a:p>
-            <a:pPr lvl="0"/>
-            <a:r>
-              <a:rPr/>
-              <a:t>Can workers raise and resolve issues with management?</a:t>
-            </a:r>
-          </a:p>
-          <a:p>
-            <a:pPr lvl="0"/>
-            <a:r>
-              <a:rPr/>
-              <a:t>Are workers deployed effectively?</a:t>
+              <a:t>Are there incentives to train?</a:t>
             </a:r>
           </a:p>
         </p:txBody>
@@ -5695,7 +6177,7 @@
             </a:pPr>
             <a:r>
               <a:rPr/>
-              <a:t>Productivity in the Workplace</a:t>
+              <a:t>Productivity in the Workplace - Investment</a:t>
             </a:r>
           </a:p>
         </p:txBody>
@@ -5718,21 +6200,14 @@
             <a:pPr lvl="0"/>
             <a:r>
               <a:rPr/>
-              <a:t>Productivity in the workplace is shaped by the choices companies make</a:t>
+              <a:t>Is the company investing in physical capital and research?</a:t>
             </a:r>
           </a:p>
           <a:p>
             <a:pPr lvl="0"/>
             <a:r>
               <a:rPr/>
-              <a:t>Companies can be profitable without being productive.</a:t>
-            </a:r>
-          </a:p>
-          <a:p>
-            <a:pPr lvl="0"/>
-            <a:r>
-              <a:rPr/>
-              <a:t>Workers need to be able to discuss productivity openly so they can challenge misleading claims.</a:t>
+              <a:t>Are workers provided with the tools and materials they need to be productive?</a:t>
             </a:r>
           </a:p>
         </p:txBody>
@@ -5779,6 +6254,174 @@
             </a:pPr>
             <a:r>
               <a:rPr/>
+              <a:t>Productivity in the Workplace - Management</a:t>
+            </a:r>
+          </a:p>
+        </p:txBody>
+      </p:sp>
+      <p:sp>
+        <p:nvSpPr>
+          <p:cNvPr id="3" name="Content Placeholder 2"/>
+          <p:cNvSpPr>
+            <a:spLocks noGrp="1"/>
+          </p:cNvSpPr>
+          <p:nvPr>
+            <p:ph idx="1"/>
+          </p:nvPr>
+        </p:nvSpPr>
+        <p:spPr/>
+        <p:txBody>
+          <a:bodyPr/>
+          <a:lstStyle/>
+          <a:p>
+            <a:pPr lvl="0"/>
+            <a:r>
+              <a:rPr/>
+              <a:t>Is time wasted on non-value adding tasks?</a:t>
+            </a:r>
+          </a:p>
+          <a:p>
+            <a:pPr lvl="0"/>
+            <a:r>
+              <a:rPr/>
+              <a:t>Can workers raise and resolve issues with management?</a:t>
+            </a:r>
+          </a:p>
+          <a:p>
+            <a:pPr lvl="0"/>
+            <a:r>
+              <a:rPr/>
+              <a:t>Are workers deployed effectively?</a:t>
+            </a:r>
+          </a:p>
+        </p:txBody>
+      </p:sp>
+    </p:spTree>
+  </p:cSld>
+</p:sld>
+</file>
+
+<file path=ppt/slides/slide24.xml><?xml version="1.0" encoding="utf-8"?>
+<p:sld xmlns:a="http://schemas.openxmlformats.org/drawingml/2006/main" xmlns:r="http://schemas.openxmlformats.org/officeDocument/2006/relationships" xmlns:p="http://schemas.openxmlformats.org/presentationml/2006/main">
+  <p:cSld>
+    <p:spTree>
+      <p:nvGrpSpPr>
+        <p:cNvPr id="1" name=""/>
+        <p:cNvGrpSpPr/>
+        <p:nvPr/>
+      </p:nvGrpSpPr>
+      <p:grpSpPr>
+        <a:xfrm>
+          <a:off x="0" y="0"/>
+          <a:ext cx="0" cy="0"/>
+          <a:chOff x="0" y="0"/>
+          <a:chExt cx="0" cy="0"/>
+        </a:xfrm>
+      </p:grpSpPr>
+      <p:sp>
+        <p:nvSpPr>
+          <p:cNvPr id="2" name="Title 1"/>
+          <p:cNvSpPr>
+            <a:spLocks noGrp="1"/>
+          </p:cNvSpPr>
+          <p:nvPr>
+            <p:ph type="title"/>
+          </p:nvPr>
+        </p:nvSpPr>
+        <p:spPr/>
+        <p:txBody>
+          <a:bodyPr/>
+          <a:lstStyle/>
+          <a:p>
+            <a:pPr lvl="0" indent="0" marL="0">
+              <a:buNone/>
+            </a:pPr>
+            <a:r>
+              <a:rPr/>
+              <a:t>Productivity in the Workplace</a:t>
+            </a:r>
+          </a:p>
+        </p:txBody>
+      </p:sp>
+      <p:sp>
+        <p:nvSpPr>
+          <p:cNvPr id="3" name="Content Placeholder 2"/>
+          <p:cNvSpPr>
+            <a:spLocks noGrp="1"/>
+          </p:cNvSpPr>
+          <p:nvPr>
+            <p:ph idx="1"/>
+          </p:nvPr>
+        </p:nvSpPr>
+        <p:spPr/>
+        <p:txBody>
+          <a:bodyPr/>
+          <a:lstStyle/>
+          <a:p>
+            <a:pPr lvl="0"/>
+            <a:r>
+              <a:rPr/>
+              <a:t>Productivity in the workplace is shaped by the choices companies make</a:t>
+            </a:r>
+          </a:p>
+          <a:p>
+            <a:pPr lvl="0"/>
+            <a:r>
+              <a:rPr/>
+              <a:t>Companies can be profitable without being productive.</a:t>
+            </a:r>
+          </a:p>
+          <a:p>
+            <a:pPr lvl="0"/>
+            <a:r>
+              <a:rPr/>
+              <a:t>Workers need to be able to discuss productivity openly so they can challenge misleading claims.</a:t>
+            </a:r>
+          </a:p>
+        </p:txBody>
+      </p:sp>
+    </p:spTree>
+  </p:cSld>
+</p:sld>
+</file>
+
+<file path=ppt/slides/slide25.xml><?xml version="1.0" encoding="utf-8"?>
+<p:sld xmlns:a="http://schemas.openxmlformats.org/drawingml/2006/main" xmlns:r="http://schemas.openxmlformats.org/officeDocument/2006/relationships" xmlns:p="http://schemas.openxmlformats.org/presentationml/2006/main">
+  <p:cSld>
+    <p:spTree>
+      <p:nvGrpSpPr>
+        <p:cNvPr id="1" name=""/>
+        <p:cNvGrpSpPr/>
+        <p:nvPr/>
+      </p:nvGrpSpPr>
+      <p:grpSpPr>
+        <a:xfrm>
+          <a:off x="0" y="0"/>
+          <a:ext cx="0" cy="0"/>
+          <a:chOff x="0" y="0"/>
+          <a:chExt cx="0" cy="0"/>
+        </a:xfrm>
+      </p:grpSpPr>
+      <p:sp>
+        <p:nvSpPr>
+          <p:cNvPr id="2" name="Title 1"/>
+          <p:cNvSpPr>
+            <a:spLocks noGrp="1"/>
+          </p:cNvSpPr>
+          <p:nvPr>
+            <p:ph type="title"/>
+          </p:nvPr>
+        </p:nvSpPr>
+        <p:spPr/>
+        <p:txBody>
+          <a:bodyPr/>
+          <a:lstStyle/>
+          <a:p>
+            <a:pPr lvl="0" indent="0" marL="0">
+              <a:buNone/>
+            </a:pPr>
+            <a:r>
+              <a:rPr/>
               <a:t>The NRC is Here to Help</a:t>
             </a:r>
           </a:p>
@@ -5900,7 +6543,7 @@
             <a:pPr lvl="0"/>
             <a:r>
               <a:rPr/>
-              <a:t>Productivity in the workplace</a:t>
+              <a:t>Talking about productivity in the workplace</a:t>
             </a:r>
           </a:p>
         </p:txBody>
